--- a/SoftwareEngineeringV2.pptx
+++ b/SoftwareEngineeringV2.pptx
@@ -15,12 +15,12 @@
     <p:sldId id="564" r:id="rId6"/>
     <p:sldId id="566" r:id="rId7"/>
     <p:sldId id="567" r:id="rId8"/>
-    <p:sldId id="570" r:id="rId9"/>
-    <p:sldId id="571" r:id="rId10"/>
-    <p:sldId id="572" r:id="rId11"/>
-    <p:sldId id="574" r:id="rId12"/>
-    <p:sldId id="573" r:id="rId13"/>
-    <p:sldId id="575" r:id="rId14"/>
+    <p:sldId id="571" r:id="rId9"/>
+    <p:sldId id="572" r:id="rId10"/>
+    <p:sldId id="574" r:id="rId11"/>
+    <p:sldId id="573" r:id="rId12"/>
+    <p:sldId id="575" r:id="rId13"/>
+    <p:sldId id="570" r:id="rId14"/>
     <p:sldId id="576" r:id="rId15"/>
   </p:sldIdLst>
   <p:sldSz cx="12192000" cy="6858000"/>
@@ -3562,7 +3562,9 @@
           </a:xfrm>
         </p:spPr>
         <p:txBody>
-          <a:bodyPr/>
+          <a:bodyPr>
+            <a:normAutofit fontScale="90000"/>
+          </a:bodyPr>
           <a:lstStyle/>
           <a:p>
             <a:r>
@@ -3590,6 +3592,13 @@
             <a:r>
               <a:rPr lang="en-US" altLang="en-US" dirty="0"/>
               <a:t>David Lash</a:t>
+            </a:r>
+            <a:br>
+              <a:rPr lang="en-US" altLang="en-US" dirty="0"/>
+            </a:br>
+            <a:r>
+              <a:rPr lang="en-US" altLang="en-US" dirty="0"/>
+              <a:t>dlash@aurora.edu</a:t>
             </a:r>
             <a:endParaRPr lang="en-US" altLang="en-US" sz="3600" dirty="0"/>
           </a:p>
@@ -4680,6 +4689,28 @@
           <a:chExt cx="0" cy="0"/>
         </a:xfrm>
       </p:grpSpPr>
+      <p:sp>
+        <p:nvSpPr>
+          <p:cNvPr id="2" name="Title 1"/>
+          <p:cNvSpPr>
+            <a:spLocks noGrp="1"/>
+          </p:cNvSpPr>
+          <p:nvPr>
+            <p:ph type="title"/>
+          </p:nvPr>
+        </p:nvSpPr>
+        <p:spPr/>
+        <p:txBody>
+          <a:bodyPr/>
+          <a:lstStyle/>
+          <a:p>
+            <a:r>
+              <a:rPr lang="en-US" dirty="0"/>
+              <a:t>Most development done iteratively </a:t>
+            </a:r>
+          </a:p>
+        </p:txBody>
+      </p:sp>
       <p:pic>
         <p:nvPicPr>
           <p:cNvPr id="4" name="Picture 3"/>
@@ -4696,8 +4727,8 @@
         </p:blipFill>
         <p:spPr>
           <a:xfrm>
-            <a:off x="1509712" y="1708034"/>
-            <a:ext cx="4257675" cy="2476500"/>
+            <a:off x="3562349" y="1833563"/>
+            <a:ext cx="5038726" cy="3394670"/>
           </a:xfrm>
           <a:prstGeom prst="rect">
             <a:avLst/>
@@ -4712,8 +4743,8 @@
         </p:nvSpPr>
         <p:spPr>
           <a:xfrm>
-            <a:off x="4994247" y="382471"/>
-            <a:ext cx="6162649" cy="830997"/>
+            <a:off x="1228725" y="5729972"/>
+            <a:ext cx="6880295" cy="646331"/>
           </a:xfrm>
           <a:prstGeom prst="rect">
             <a:avLst/>
@@ -4723,53 +4754,29 @@
           </a:solidFill>
         </p:spPr>
         <p:txBody>
-          <a:bodyPr wrap="none" rtlCol="0">
+          <a:bodyPr wrap="square" rtlCol="0">
             <a:spAutoFit/>
           </a:bodyPr>
           <a:lstStyle/>
           <a:p>
             <a:r>
-              <a:rPr lang="en-US" sz="2400" dirty="0"/>
-              <a:t>Often show them ‘plans’ or models or mock ups</a:t>
-            </a:r>
-          </a:p>
-          <a:p>
-            <a:pPr marL="285750" indent="-285750">
-              <a:buFontTx/>
-              <a:buChar char="-"/>
-            </a:pPr>
-            <a:endParaRPr lang="en-US" sz="2400" dirty="0"/>
-          </a:p>
-        </p:txBody>
-      </p:sp>
-      <p:pic>
-        <p:nvPicPr>
-          <p:cNvPr id="6" name="Picture 5"/>
-          <p:cNvPicPr>
-            <a:picLocks noChangeAspect="1"/>
-          </p:cNvPicPr>
-          <p:nvPr/>
-        </p:nvPicPr>
-        <p:blipFill>
-          <a:blip r:embed="rId3"/>
-          <a:stretch>
-            <a:fillRect/>
-          </a:stretch>
-        </p:blipFill>
-        <p:spPr>
-          <a:xfrm>
-            <a:off x="7217568" y="3676650"/>
-            <a:ext cx="2571750" cy="1981200"/>
-          </a:xfrm>
-          <a:prstGeom prst="rect">
-            <a:avLst/>
-          </a:prstGeom>
-        </p:spPr>
-      </p:pic>
+              <a:rPr lang="en-US" dirty="0" err="1"/>
+              <a:t>Devs</a:t>
+            </a:r>
+            <a:r>
+              <a:rPr lang="en-US" dirty="0"/>
+              <a:t> … develop systems and deliver incremental versions to customer. </a:t>
+            </a:r>
+          </a:p>
+          <a:p>
+            <a:endParaRPr lang="en-US" dirty="0"/>
+          </a:p>
+        </p:txBody>
+      </p:sp>
     </p:spTree>
     <p:extLst>
       <p:ext uri="{BB962C8B-B14F-4D97-AF65-F5344CB8AC3E}">
-        <p14:creationId xmlns:p14="http://schemas.microsoft.com/office/powerpoint/2010/main" val="3617753282"/>
+        <p14:creationId xmlns:p14="http://schemas.microsoft.com/office/powerpoint/2010/main" val="1487530071"/>
       </p:ext>
     </p:extLst>
   </p:cSld>
@@ -4813,7 +4820,7 @@
           <a:p>
             <a:r>
               <a:rPr lang="en-US" dirty="0"/>
-              <a:t>Most development done iteratively </a:t>
+              <a:t>Additional roles for planners and testers</a:t>
             </a:r>
           </a:p>
         </p:txBody>
@@ -4834,24 +4841,48 @@
         </p:blipFill>
         <p:spPr>
           <a:xfrm>
-            <a:off x="3562349" y="1833563"/>
-            <a:ext cx="5038726" cy="3394670"/>
+            <a:off x="6291263" y="1943100"/>
+            <a:ext cx="3581400" cy="3143250"/>
           </a:xfrm>
           <a:prstGeom prst="rect">
             <a:avLst/>
           </a:prstGeom>
         </p:spPr>
       </p:pic>
-      <p:sp>
-        <p:nvSpPr>
-          <p:cNvPr id="5" name="TextBox 4"/>
+      <p:pic>
+        <p:nvPicPr>
+          <p:cNvPr id="5" name="Picture 4"/>
+          <p:cNvPicPr>
+            <a:picLocks noChangeAspect="1"/>
+          </p:cNvPicPr>
+          <p:nvPr/>
+        </p:nvPicPr>
+        <p:blipFill>
+          <a:blip r:embed="rId3"/>
+          <a:stretch>
+            <a:fillRect/>
+          </a:stretch>
+        </p:blipFill>
+        <p:spPr>
+          <a:xfrm>
+            <a:off x="542925" y="2252663"/>
+            <a:ext cx="3333750" cy="2952750"/>
+          </a:xfrm>
+          <a:prstGeom prst="rect">
+            <a:avLst/>
+          </a:prstGeom>
+        </p:spPr>
+      </p:pic>
+      <p:sp>
+        <p:nvSpPr>
+          <p:cNvPr id="7" name="TextBox 6"/>
           <p:cNvSpPr txBox="1"/>
           <p:nvPr/>
         </p:nvSpPr>
         <p:spPr>
           <a:xfrm>
-            <a:off x="1228725" y="5729972"/>
-            <a:ext cx="4867275" cy="923330"/>
+            <a:off x="542925" y="5767388"/>
+            <a:ext cx="3361690" cy="646331"/>
           </a:xfrm>
           <a:prstGeom prst="rect">
             <a:avLst/>
@@ -4861,18 +4892,51 @@
           </a:solidFill>
         </p:spPr>
         <p:txBody>
+          <a:bodyPr wrap="none" rtlCol="0">
+            <a:spAutoFit/>
+          </a:bodyPr>
+          <a:lstStyle/>
+          <a:p>
+            <a:r>
+              <a:rPr lang="en-US" dirty="0"/>
+              <a:t>How will make sure house is done</a:t>
+            </a:r>
+          </a:p>
+          <a:p>
+            <a:r>
+              <a:rPr lang="en-US" dirty="0"/>
+              <a:t> on time and on budget?</a:t>
+            </a:r>
+          </a:p>
+        </p:txBody>
+      </p:sp>
+      <p:sp>
+        <p:nvSpPr>
+          <p:cNvPr id="8" name="TextBox 7"/>
+          <p:cNvSpPr txBox="1"/>
+          <p:nvPr/>
+        </p:nvSpPr>
+        <p:spPr>
+          <a:xfrm>
+            <a:off x="6291263" y="5444222"/>
+            <a:ext cx="4867275" cy="923330"/>
+          </a:xfrm>
+          <a:prstGeom prst="rect">
+            <a:avLst/>
+          </a:prstGeom>
+          <a:solidFill>
+            <a:srgbClr val="FFFF00"/>
+          </a:solidFill>
+        </p:spPr>
+        <p:txBody>
           <a:bodyPr wrap="square" rtlCol="0">
             <a:spAutoFit/>
           </a:bodyPr>
           <a:lstStyle/>
           <a:p>
             <a:r>
-              <a:rPr lang="en-US" dirty="0" err="1"/>
-              <a:t>Devs</a:t>
-            </a:r>
-            <a:r>
               <a:rPr lang="en-US" dirty="0"/>
-              <a:t> … develop systems and deliver incremental versions to customer. </a:t>
+              <a:t>How will make sure every feature of house works and  nothing is missed?</a:t>
             </a:r>
           </a:p>
           <a:p>
@@ -4883,7 +4947,7 @@
     </p:spTree>
     <p:extLst>
       <p:ext uri="{BB962C8B-B14F-4D97-AF65-F5344CB8AC3E}">
-        <p14:creationId xmlns:p14="http://schemas.microsoft.com/office/powerpoint/2010/main" val="1487530071"/>
+        <p14:creationId xmlns:p14="http://schemas.microsoft.com/office/powerpoint/2010/main" val="1137440625"/>
       </p:ext>
     </p:extLst>
   </p:cSld>
@@ -4927,8 +4991,27 @@
           <a:p>
             <a:r>
               <a:rPr lang="en-US" dirty="0"/>
-              <a:t>Additional roles for planners and testers</a:t>
-            </a:r>
+              <a:t>Software Maintenance </a:t>
+            </a:r>
+          </a:p>
+        </p:txBody>
+      </p:sp>
+      <p:sp>
+        <p:nvSpPr>
+          <p:cNvPr id="3" name="Content Placeholder 2"/>
+          <p:cNvSpPr>
+            <a:spLocks noGrp="1"/>
+          </p:cNvSpPr>
+          <p:nvPr>
+            <p:ph idx="1"/>
+          </p:nvPr>
+        </p:nvSpPr>
+        <p:spPr/>
+        <p:txBody>
+          <a:bodyPr/>
+          <a:lstStyle/>
+          <a:p>
+            <a:endParaRPr lang="en-US"/>
           </a:p>
         </p:txBody>
       </p:sp>
@@ -4948,8 +5031,8 @@
         </p:blipFill>
         <p:spPr>
           <a:xfrm>
-            <a:off x="6291263" y="1943100"/>
-            <a:ext cx="3581400" cy="3143250"/>
+            <a:off x="3896914" y="1981994"/>
+            <a:ext cx="3533775" cy="2019300"/>
           </a:xfrm>
           <a:prstGeom prst="rect">
             <a:avLst/>
@@ -4972,14 +5055,38 @@
         </p:blipFill>
         <p:spPr>
           <a:xfrm>
-            <a:off x="542925" y="2252663"/>
-            <a:ext cx="3333750" cy="2952750"/>
+            <a:off x="1659730" y="2416969"/>
+            <a:ext cx="1847850" cy="2257425"/>
           </a:xfrm>
           <a:prstGeom prst="rect">
             <a:avLst/>
           </a:prstGeom>
         </p:spPr>
       </p:pic>
+      <p:pic>
+        <p:nvPicPr>
+          <p:cNvPr id="6" name="Picture 5"/>
+          <p:cNvPicPr>
+            <a:picLocks noChangeAspect="1"/>
+          </p:cNvPicPr>
+          <p:nvPr/>
+        </p:nvPicPr>
+        <p:blipFill>
+          <a:blip r:embed="rId4"/>
+          <a:stretch>
+            <a:fillRect/>
+          </a:stretch>
+        </p:blipFill>
+        <p:spPr>
+          <a:xfrm>
+            <a:off x="6274593" y="4438650"/>
+            <a:ext cx="3333750" cy="2257425"/>
+          </a:xfrm>
+          <a:prstGeom prst="rect">
+            <a:avLst/>
+          </a:prstGeom>
+        </p:spPr>
+      </p:pic>
       <p:sp>
         <p:nvSpPr>
           <p:cNvPr id="7" name="TextBox 6"/>
@@ -4988,8 +5095,8 @@
         </p:nvSpPr>
         <p:spPr>
           <a:xfrm>
-            <a:off x="542925" y="5767388"/>
-            <a:ext cx="3361690" cy="646331"/>
+            <a:off x="6274593" y="547111"/>
+            <a:ext cx="5246949" cy="1200329"/>
           </a:xfrm>
           <a:prstGeom prst="rect">
             <a:avLst/>
@@ -5006,55 +5113,30 @@
           <a:p>
             <a:r>
               <a:rPr lang="en-US" dirty="0"/>
-              <a:t>How will make sure house is done</a:t>
+              <a:t>Software stays in production a long time</a:t>
             </a:r>
           </a:p>
           <a:p>
             <a:r>
               <a:rPr lang="en-US" dirty="0"/>
-              <a:t> on time and on budget?</a:t>
-            </a:r>
-          </a:p>
-        </p:txBody>
-      </p:sp>
-      <p:sp>
-        <p:nvSpPr>
-          <p:cNvPr id="8" name="TextBox 7"/>
-          <p:cNvSpPr txBox="1"/>
-          <p:nvPr/>
-        </p:nvSpPr>
-        <p:spPr>
-          <a:xfrm>
-            <a:off x="6291263" y="5444222"/>
-            <a:ext cx="4867275" cy="923330"/>
-          </a:xfrm>
-          <a:prstGeom prst="rect">
-            <a:avLst/>
-          </a:prstGeom>
-          <a:solidFill>
-            <a:srgbClr val="FFFF00"/>
-          </a:solidFill>
-        </p:spPr>
-        <p:txBody>
-          <a:bodyPr wrap="square" rtlCol="0">
-            <a:spAutoFit/>
-          </a:bodyPr>
-          <a:lstStyle/>
-          <a:p>
-            <a:r>
+              <a:t>(E.g., Microsoft word)</a:t>
+            </a:r>
+          </a:p>
+          <a:p>
+            <a:br>
               <a:rPr lang="en-US" dirty="0"/>
-              <a:t>How will make sure every feature of house works and  nothing is missed?</a:t>
-            </a:r>
-          </a:p>
-          <a:p>
-            <a:endParaRPr lang="en-US" dirty="0"/>
+            </a:br>
+            <a:r>
+              <a:rPr lang="en-US" dirty="0"/>
+              <a:t>Engineers fix bugs, build new features, clean up issues</a:t>
+            </a:r>
           </a:p>
         </p:txBody>
       </p:sp>
     </p:spTree>
     <p:extLst>
       <p:ext uri="{BB962C8B-B14F-4D97-AF65-F5344CB8AC3E}">
-        <p14:creationId xmlns:p14="http://schemas.microsoft.com/office/powerpoint/2010/main" val="1137440625"/>
+        <p14:creationId xmlns:p14="http://schemas.microsoft.com/office/powerpoint/2010/main" val="1643564787"/>
       </p:ext>
     </p:extLst>
   </p:cSld>
@@ -5083,28 +5165,6 @@
       </p:grpSpPr>
       <p:sp>
         <p:nvSpPr>
-          <p:cNvPr id="2" name="Title 1"/>
-          <p:cNvSpPr>
-            <a:spLocks noGrp="1"/>
-          </p:cNvSpPr>
-          <p:nvPr>
-            <p:ph type="title"/>
-          </p:nvPr>
-        </p:nvSpPr>
-        <p:spPr/>
-        <p:txBody>
-          <a:bodyPr/>
-          <a:lstStyle/>
-          <a:p>
-            <a:r>
-              <a:rPr lang="en-US" dirty="0"/>
-              <a:t>Software Maintenance </a:t>
-            </a:r>
-          </a:p>
-        </p:txBody>
-      </p:sp>
-      <p:sp>
-        <p:nvSpPr>
           <p:cNvPr id="3" name="Content Placeholder 2"/>
           <p:cNvSpPr>
             <a:spLocks noGrp="1"/>
@@ -5113,57 +5173,193 @@
             <p:ph idx="1"/>
           </p:nvPr>
         </p:nvSpPr>
-        <p:spPr/>
-        <p:txBody>
-          <a:bodyPr/>
-          <a:lstStyle/>
-          <a:p>
-            <a:endParaRPr lang="en-US"/>
+        <p:spPr>
+          <a:xfrm>
+            <a:off x="139903" y="167169"/>
+            <a:ext cx="10888653" cy="4351338"/>
+          </a:xfrm>
+        </p:spPr>
+        <p:txBody>
+          <a:bodyPr>
+            <a:normAutofit/>
+          </a:bodyPr>
+          <a:lstStyle/>
+          <a:p>
+            <a:r>
+              <a:rPr lang="en-US" sz="2000" dirty="0"/>
+              <a:t>How and when did you become interested in Software Engineering?</a:t>
+            </a:r>
+          </a:p>
+          <a:p>
+            <a:r>
+              <a:rPr lang="en-US" sz="1800" dirty="0"/>
+              <a:t>What are the requirements to graduate with a Software Engineering degree? What is a university that provides this degree?</a:t>
+            </a:r>
+            <a:endParaRPr lang="en-US" b="1" i="1" dirty="0"/>
+          </a:p>
+          <a:p>
+            <a:r>
+              <a:rPr lang="en-US" sz="2000" dirty="0"/>
+              <a:t>Describe a daily day as a Software Engineer.</a:t>
+            </a:r>
+          </a:p>
+          <a:p>
+            <a:r>
+              <a:rPr lang="en-US" sz="2400" b="1" i="1" dirty="0"/>
+              <a:t>Some students are interested in Software Engineering and/or Computer Science. What advice would you give them?</a:t>
+            </a:r>
+          </a:p>
+          <a:p>
+            <a:endParaRPr lang="en-US" sz="2000" dirty="0"/>
+          </a:p>
+        </p:txBody>
+      </p:sp>
+      <p:sp>
+        <p:nvSpPr>
+          <p:cNvPr id="4" name="TextBox 3"/>
+          <p:cNvSpPr txBox="1"/>
+          <p:nvPr/>
+        </p:nvSpPr>
+        <p:spPr>
+          <a:xfrm>
+            <a:off x="1094191" y="2605009"/>
+            <a:ext cx="8370359" cy="3785652"/>
+          </a:xfrm>
+          <a:prstGeom prst="rect">
+            <a:avLst/>
+          </a:prstGeom>
+          <a:noFill/>
+        </p:spPr>
+        <p:txBody>
+          <a:bodyPr wrap="square" rtlCol="0">
+            <a:spAutoFit/>
+          </a:bodyPr>
+          <a:lstStyle/>
+          <a:p>
+            <a:r>
+              <a:rPr lang="en-US" sz="2000" dirty="0"/>
+              <a:t>Take control of your learning </a:t>
+            </a:r>
+          </a:p>
+          <a:p>
+            <a:endParaRPr lang="en-US" sz="2000" dirty="0"/>
+          </a:p>
+          <a:p>
+            <a:pPr marL="285750" indent="-285750">
+              <a:buFontTx/>
+              <a:buChar char="-"/>
+            </a:pPr>
+            <a:r>
+              <a:rPr lang="en-US" sz="2000" dirty="0"/>
+              <a:t>Start building TODAY!</a:t>
+            </a:r>
+          </a:p>
+          <a:p>
+            <a:pPr marL="285750" indent="-285750">
+              <a:buFontTx/>
+              <a:buChar char="-"/>
+            </a:pPr>
+            <a:r>
+              <a:rPr lang="en-US" sz="2000" dirty="0"/>
+              <a:t>TONS of online classes</a:t>
+            </a:r>
+          </a:p>
+          <a:p>
+            <a:pPr marL="742950" lvl="1" indent="-285750">
+              <a:buFontTx/>
+              <a:buChar char="-"/>
+            </a:pPr>
+            <a:r>
+              <a:rPr lang="en-US" sz="2000" dirty="0">
+                <a:hlinkClick r:id="rId2"/>
+              </a:rPr>
+              <a:t>https://www.codecademy.com/</a:t>
+            </a:r>
+            <a:endParaRPr lang="en-US" sz="2000" dirty="0"/>
+          </a:p>
+          <a:p>
+            <a:pPr marL="742950" lvl="1" indent="-285750">
+              <a:buFontTx/>
+              <a:buChar char="-"/>
+            </a:pPr>
+            <a:r>
+              <a:rPr lang="en-US" sz="2000" dirty="0">
+                <a:hlinkClick r:id="rId3"/>
+              </a:rPr>
+              <a:t>http://freeCodeCamp.org</a:t>
+            </a:r>
+            <a:endParaRPr lang="en-US" sz="2000" dirty="0"/>
+          </a:p>
+          <a:p>
+            <a:pPr marL="742950" lvl="1" indent="-285750">
+              <a:buFontTx/>
+              <a:buChar char="-"/>
+            </a:pPr>
+            <a:r>
+              <a:rPr lang="en-US" sz="2000" dirty="0">
+                <a:hlinkClick r:id="rId4"/>
+              </a:rPr>
+              <a:t>https://www.freecodecamp.org/news/the-50-best-free-online-university-courses-according-to-data-deb6fe34ef30/</a:t>
+            </a:r>
+            <a:endParaRPr lang="en-US" sz="2000" dirty="0"/>
+          </a:p>
+          <a:p>
+            <a:pPr marL="742950" lvl="1" indent="-285750">
+              <a:buFontTx/>
+              <a:buChar char="-"/>
+            </a:pPr>
+            <a:r>
+              <a:rPr lang="en-US" sz="2000" dirty="0">
+                <a:hlinkClick r:id="rId5"/>
+              </a:rPr>
+              <a:t>https://www.w3schools.com/</a:t>
+            </a:r>
+            <a:r>
+              <a:rPr lang="en-US" sz="2000" dirty="0"/>
+              <a:t> </a:t>
+            </a:r>
+          </a:p>
+          <a:p>
+            <a:pPr marL="742950" lvl="1" indent="-285750">
+              <a:buFontTx/>
+              <a:buChar char="-"/>
+            </a:pPr>
+            <a:endParaRPr lang="en-US" sz="2000" dirty="0"/>
+          </a:p>
+          <a:p>
+            <a:pPr marL="742950" lvl="1" indent="-285750">
+              <a:buFontTx/>
+              <a:buChar char="-"/>
+            </a:pPr>
+            <a:endParaRPr lang="en-US" sz="2000" dirty="0"/>
+          </a:p>
+          <a:p>
+            <a:pPr marL="742950" lvl="1" indent="-285750">
+              <a:buFontTx/>
+              <a:buChar char="-"/>
+            </a:pPr>
+            <a:endParaRPr lang="en-US" sz="2000" dirty="0"/>
           </a:p>
         </p:txBody>
       </p:sp>
       <p:pic>
         <p:nvPicPr>
-          <p:cNvPr id="4" name="Picture 3"/>
+          <p:cNvPr id="2" name="Picture 1"/>
           <p:cNvPicPr>
             <a:picLocks noChangeAspect="1"/>
           </p:cNvPicPr>
           <p:nvPr/>
         </p:nvPicPr>
         <p:blipFill>
-          <a:blip r:embed="rId2"/>
+          <a:blip r:embed="rId6"/>
           <a:stretch>
             <a:fillRect/>
           </a:stretch>
         </p:blipFill>
         <p:spPr>
           <a:xfrm>
-            <a:off x="3896914" y="1981994"/>
-            <a:ext cx="3533775" cy="2019300"/>
-          </a:xfrm>
-          <a:prstGeom prst="rect">
-            <a:avLst/>
-          </a:prstGeom>
-        </p:spPr>
-      </p:pic>
-      <p:pic>
-        <p:nvPicPr>
-          <p:cNvPr id="5" name="Picture 4"/>
-          <p:cNvPicPr>
-            <a:picLocks noChangeAspect="1"/>
-          </p:cNvPicPr>
-          <p:nvPr/>
-        </p:nvPicPr>
-        <p:blipFill>
-          <a:blip r:embed="rId3"/>
-          <a:stretch>
-            <a:fillRect/>
-          </a:stretch>
-        </p:blipFill>
-        <p:spPr>
-          <a:xfrm>
-            <a:off x="1659730" y="2416969"/>
-            <a:ext cx="1847850" cy="2257425"/>
+            <a:off x="345481" y="5601512"/>
+            <a:ext cx="2254173" cy="1107765"/>
           </a:xfrm>
           <a:prstGeom prst="rect">
             <a:avLst/>
@@ -5179,71 +5375,121 @@
           <p:nvPr/>
         </p:nvPicPr>
         <p:blipFill>
-          <a:blip r:embed="rId4"/>
+          <a:blip r:embed="rId7"/>
           <a:stretch>
             <a:fillRect/>
           </a:stretch>
         </p:blipFill>
         <p:spPr>
           <a:xfrm>
-            <a:off x="6274593" y="4438650"/>
-            <a:ext cx="3333750" cy="2257425"/>
+            <a:off x="6154416" y="2605009"/>
+            <a:ext cx="2105025" cy="1132959"/>
           </a:xfrm>
           <a:prstGeom prst="rect">
             <a:avLst/>
           </a:prstGeom>
         </p:spPr>
       </p:pic>
-      <p:sp>
-        <p:nvSpPr>
-          <p:cNvPr id="7" name="TextBox 6"/>
-          <p:cNvSpPr txBox="1"/>
+      <p:pic>
+        <p:nvPicPr>
+          <p:cNvPr id="7" name="Picture 6"/>
+          <p:cNvPicPr>
+            <a:picLocks noChangeAspect="1"/>
+          </p:cNvPicPr>
           <p:nvPr/>
-        </p:nvSpPr>
-        <p:spPr>
-          <a:xfrm>
-            <a:off x="6274593" y="547111"/>
-            <a:ext cx="5246949" cy="1200329"/>
+        </p:nvPicPr>
+        <p:blipFill>
+          <a:blip r:embed="rId8"/>
+          <a:stretch>
+            <a:fillRect/>
+          </a:stretch>
+        </p:blipFill>
+        <p:spPr>
+          <a:xfrm>
+            <a:off x="6567011" y="5515055"/>
+            <a:ext cx="1889899" cy="1265876"/>
           </a:xfrm>
           <a:prstGeom prst="rect">
             <a:avLst/>
           </a:prstGeom>
-          <a:solidFill>
-            <a:srgbClr val="FFFF00"/>
-          </a:solidFill>
-        </p:spPr>
-        <p:txBody>
-          <a:bodyPr wrap="none" rtlCol="0">
-            <a:spAutoFit/>
-          </a:bodyPr>
-          <a:lstStyle/>
-          <a:p>
-            <a:r>
-              <a:rPr lang="en-US" dirty="0"/>
-              <a:t>Software stays in production a long time</a:t>
-            </a:r>
-          </a:p>
-          <a:p>
-            <a:r>
-              <a:rPr lang="en-US" dirty="0"/>
-              <a:t>(E.g., Microsoft word)</a:t>
-            </a:r>
-          </a:p>
-          <a:p>
-            <a:br>
-              <a:rPr lang="en-US" dirty="0"/>
-            </a:br>
-            <a:r>
-              <a:rPr lang="en-US" dirty="0"/>
-              <a:t>Engineers fix bugs, build new features, clean up issues</a:t>
-            </a:r>
-          </a:p>
-        </p:txBody>
-      </p:sp>
+        </p:spPr>
+      </p:pic>
+      <p:pic>
+        <p:nvPicPr>
+          <p:cNvPr id="8" name="Picture 7"/>
+          <p:cNvPicPr>
+            <a:picLocks noChangeAspect="1"/>
+          </p:cNvPicPr>
+          <p:nvPr/>
+        </p:nvPicPr>
+        <p:blipFill>
+          <a:blip r:embed="rId9"/>
+          <a:stretch>
+            <a:fillRect/>
+          </a:stretch>
+        </p:blipFill>
+        <p:spPr>
+          <a:xfrm>
+            <a:off x="9057693" y="5319699"/>
+            <a:ext cx="2509024" cy="1230270"/>
+          </a:xfrm>
+          <a:prstGeom prst="rect">
+            <a:avLst/>
+          </a:prstGeom>
+        </p:spPr>
+      </p:pic>
+      <p:pic>
+        <p:nvPicPr>
+          <p:cNvPr id="9" name="Picture 8"/>
+          <p:cNvPicPr>
+            <a:picLocks noChangeAspect="1"/>
+          </p:cNvPicPr>
+          <p:nvPr/>
+        </p:nvPicPr>
+        <p:blipFill>
+          <a:blip r:embed="rId10"/>
+          <a:stretch>
+            <a:fillRect/>
+          </a:stretch>
+        </p:blipFill>
+        <p:spPr>
+          <a:xfrm>
+            <a:off x="10418838" y="2533323"/>
+            <a:ext cx="1147879" cy="1070783"/>
+          </a:xfrm>
+          <a:prstGeom prst="rect">
+            <a:avLst/>
+          </a:prstGeom>
+        </p:spPr>
+      </p:pic>
+      <p:pic>
+        <p:nvPicPr>
+          <p:cNvPr id="10" name="Picture 9"/>
+          <p:cNvPicPr>
+            <a:picLocks noChangeAspect="1"/>
+          </p:cNvPicPr>
+          <p:nvPr/>
+        </p:nvPicPr>
+        <p:blipFill>
+          <a:blip r:embed="rId11"/>
+          <a:stretch>
+            <a:fillRect/>
+          </a:stretch>
+        </p:blipFill>
+        <p:spPr>
+          <a:xfrm>
+            <a:off x="3425504" y="5783536"/>
+            <a:ext cx="2728912" cy="743716"/>
+          </a:xfrm>
+          <a:prstGeom prst="rect">
+            <a:avLst/>
+          </a:prstGeom>
+        </p:spPr>
+      </p:pic>
     </p:spTree>
     <p:extLst>
       <p:ext uri="{BB962C8B-B14F-4D97-AF65-F5344CB8AC3E}">
-        <p14:creationId xmlns:p14="http://schemas.microsoft.com/office/powerpoint/2010/main" val="1643564787"/>
+        <p14:creationId xmlns:p14="http://schemas.microsoft.com/office/powerpoint/2010/main" val="849099871"/>
       </p:ext>
     </p:extLst>
   </p:cSld>
@@ -6225,7 +6471,7 @@
         </p:nvSpPr>
         <p:spPr>
           <a:xfrm>
-            <a:off x="668383" y="286748"/>
+            <a:off x="399873" y="177021"/>
             <a:ext cx="10515600" cy="1325563"/>
           </a:xfrm>
         </p:spPr>
@@ -6424,7 +6670,7 @@
             </a:pPr>
             <a:r>
               <a:rPr lang="en-US" dirty="0"/>
-              <a:t>   - Bombed out of U of I CCC</a:t>
+              <a:t>   - Poor Grads Freshman at U of I CCC</a:t>
             </a:r>
           </a:p>
           <a:p>
@@ -7466,236 +7712,101 @@
           <a:chExt cx="0" cy="0"/>
         </a:xfrm>
       </p:grpSpPr>
-      <p:sp>
-        <p:nvSpPr>
-          <p:cNvPr id="3" name="Content Placeholder 2"/>
-          <p:cNvSpPr>
-            <a:spLocks noGrp="1"/>
-          </p:cNvSpPr>
-          <p:nvPr>
-            <p:ph idx="1"/>
-          </p:nvPr>
-        </p:nvSpPr>
-        <p:spPr>
-          <a:xfrm>
-            <a:off x="139903" y="167169"/>
-            <a:ext cx="10888653" cy="4351338"/>
-          </a:xfrm>
-        </p:spPr>
-        <p:txBody>
-          <a:bodyPr>
-            <a:normAutofit/>
-          </a:bodyPr>
-          <a:lstStyle/>
-          <a:p>
-            <a:r>
-              <a:rPr lang="en-US" sz="2000" dirty="0"/>
-              <a:t>How and when did you become interested in Software Engineering?</a:t>
-            </a:r>
-          </a:p>
-          <a:p>
-            <a:r>
-              <a:rPr lang="en-US" sz="1800" dirty="0"/>
-              <a:t>What are the requirements to graduate with a Software Engineering degree? What is a university that provides this degree</a:t>
-            </a:r>
-            <a:r>
-              <a:rPr lang="en-US" b="1" i="1" dirty="0"/>
-              <a:t>?</a:t>
-            </a:r>
-          </a:p>
-          <a:p>
-            <a:r>
-              <a:rPr lang="en-US" sz="2000" dirty="0"/>
-              <a:t>Describe a daily day as a Software Engineer.</a:t>
-            </a:r>
-          </a:p>
-          <a:p>
-            <a:r>
-              <a:rPr lang="en-US" sz="2400" b="1" i="1" dirty="0"/>
-              <a:t>Some students are interested in Software Engineering and/or Computer Science. What advice would you give them?</a:t>
-            </a:r>
-          </a:p>
-          <a:p>
-            <a:endParaRPr lang="en-US" sz="2000" dirty="0"/>
-          </a:p>
-        </p:txBody>
-      </p:sp>
-      <p:sp>
-        <p:nvSpPr>
-          <p:cNvPr id="4" name="TextBox 3"/>
-          <p:cNvSpPr txBox="1"/>
-          <p:nvPr/>
-        </p:nvSpPr>
-        <p:spPr>
-          <a:xfrm>
-            <a:off x="1094191" y="2605009"/>
-            <a:ext cx="8370359" cy="3785652"/>
-          </a:xfrm>
-          <a:prstGeom prst="rect">
-            <a:avLst/>
-          </a:prstGeom>
-          <a:noFill/>
-        </p:spPr>
-        <p:txBody>
-          <a:bodyPr wrap="square" rtlCol="0">
-            <a:spAutoFit/>
-          </a:bodyPr>
-          <a:lstStyle/>
-          <a:p>
-            <a:r>
-              <a:rPr lang="en-US" sz="2000" dirty="0"/>
-              <a:t>Take control of your learning </a:t>
-            </a:r>
-          </a:p>
-          <a:p>
-            <a:endParaRPr lang="en-US" sz="2000" dirty="0"/>
-          </a:p>
-          <a:p>
-            <a:pPr marL="285750" indent="-285750">
-              <a:buFontTx/>
-              <a:buChar char="-"/>
-            </a:pPr>
-            <a:r>
-              <a:rPr lang="en-US" sz="2000" dirty="0"/>
-              <a:t>Start building TODAY!</a:t>
-            </a:r>
-          </a:p>
-          <a:p>
-            <a:pPr marL="285750" indent="-285750">
-              <a:buFontTx/>
-              <a:buChar char="-"/>
-            </a:pPr>
-            <a:r>
-              <a:rPr lang="en-US" sz="2000" dirty="0"/>
-              <a:t>TONS of online classes</a:t>
-            </a:r>
-          </a:p>
-          <a:p>
-            <a:pPr marL="742950" lvl="1" indent="-285750">
-              <a:buFontTx/>
-              <a:buChar char="-"/>
-            </a:pPr>
-            <a:r>
-              <a:rPr lang="en-US" sz="2000" dirty="0">
-                <a:hlinkClick r:id="rId2"/>
-              </a:rPr>
-              <a:t>https://www.codecademy.com/</a:t>
-            </a:r>
-            <a:endParaRPr lang="en-US" sz="2000" dirty="0"/>
-          </a:p>
-          <a:p>
-            <a:pPr marL="742950" lvl="1" indent="-285750">
-              <a:buFontTx/>
-              <a:buChar char="-"/>
-            </a:pPr>
-            <a:r>
-              <a:rPr lang="en-US" sz="2000" dirty="0">
-                <a:hlinkClick r:id="rId3"/>
-              </a:rPr>
-              <a:t>http://freeCodeCamp.org</a:t>
-            </a:r>
-            <a:endParaRPr lang="en-US" sz="2000" dirty="0"/>
-          </a:p>
-          <a:p>
-            <a:pPr marL="742950" lvl="1" indent="-285750">
-              <a:buFontTx/>
-              <a:buChar char="-"/>
-            </a:pPr>
-            <a:r>
-              <a:rPr lang="en-US" sz="2000" dirty="0">
-                <a:hlinkClick r:id="rId4"/>
-              </a:rPr>
-              <a:t>https://www.freecodecamp.org/news/the-50-best-free-online-university-courses-according-to-data-deb6fe34ef30/</a:t>
-            </a:r>
-            <a:endParaRPr lang="en-US" sz="2000" dirty="0"/>
-          </a:p>
-          <a:p>
-            <a:pPr marL="742950" lvl="1" indent="-285750">
-              <a:buFontTx/>
-              <a:buChar char="-"/>
-            </a:pPr>
-            <a:r>
-              <a:rPr lang="en-US" sz="2000" dirty="0">
-                <a:hlinkClick r:id="rId5"/>
-              </a:rPr>
-              <a:t>https://www.w3schools.com/</a:t>
-            </a:r>
-            <a:r>
-              <a:rPr lang="en-US" sz="2000" dirty="0"/>
-              <a:t> </a:t>
-            </a:r>
-          </a:p>
-          <a:p>
-            <a:pPr marL="742950" lvl="1" indent="-285750">
-              <a:buFontTx/>
-              <a:buChar char="-"/>
-            </a:pPr>
-            <a:endParaRPr lang="en-US" sz="2000" dirty="0"/>
-          </a:p>
-          <a:p>
-            <a:pPr marL="742950" lvl="1" indent="-285750">
-              <a:buFontTx/>
-              <a:buChar char="-"/>
-            </a:pPr>
-            <a:endParaRPr lang="en-US" sz="2000" dirty="0"/>
-          </a:p>
-          <a:p>
-            <a:pPr marL="742950" lvl="1" indent="-285750">
-              <a:buFontTx/>
-              <a:buChar char="-"/>
-            </a:pPr>
-            <a:endParaRPr lang="en-US" sz="2000" dirty="0"/>
-          </a:p>
-        </p:txBody>
-      </p:sp>
       <p:pic>
         <p:nvPicPr>
-          <p:cNvPr id="2" name="Picture 1"/>
+          <p:cNvPr id="5" name="Picture 4"/>
           <p:cNvPicPr>
             <a:picLocks noChangeAspect="1"/>
           </p:cNvPicPr>
           <p:nvPr/>
         </p:nvPicPr>
         <p:blipFill>
-          <a:blip r:embed="rId6"/>
+          <a:blip r:embed="rId2"/>
           <a:stretch>
             <a:fillRect/>
           </a:stretch>
         </p:blipFill>
         <p:spPr>
           <a:xfrm>
-            <a:off x="345481" y="5601512"/>
-            <a:ext cx="2254173" cy="1107765"/>
+            <a:off x="533400" y="585786"/>
+            <a:ext cx="2809875" cy="2228850"/>
           </a:xfrm>
           <a:prstGeom prst="rect">
             <a:avLst/>
           </a:prstGeom>
         </p:spPr>
       </p:pic>
-      <p:pic>
-        <p:nvPicPr>
-          <p:cNvPr id="6" name="Picture 5"/>
-          <p:cNvPicPr>
-            <a:picLocks noChangeAspect="1"/>
-          </p:cNvPicPr>
+      <p:sp>
+        <p:nvSpPr>
+          <p:cNvPr id="6" name="TextBox 5"/>
+          <p:cNvSpPr txBox="1"/>
           <p:nvPr/>
-        </p:nvPicPr>
-        <p:blipFill>
-          <a:blip r:embed="rId7"/>
-          <a:stretch>
-            <a:fillRect/>
-          </a:stretch>
-        </p:blipFill>
-        <p:spPr>
-          <a:xfrm>
-            <a:off x="6154416" y="2605009"/>
-            <a:ext cx="2105025" cy="1132959"/>
+        </p:nvSpPr>
+        <p:spPr>
+          <a:xfrm>
+            <a:off x="4994247" y="382471"/>
+            <a:ext cx="4686026" cy="2308324"/>
           </a:xfrm>
           <a:prstGeom prst="rect">
             <a:avLst/>
           </a:prstGeom>
-        </p:spPr>
-      </p:pic>
+          <a:solidFill>
+            <a:srgbClr val="FFFF00"/>
+          </a:solidFill>
+        </p:spPr>
+        <p:txBody>
+          <a:bodyPr wrap="none" rtlCol="0">
+            <a:spAutoFit/>
+          </a:bodyPr>
+          <a:lstStyle/>
+          <a:p>
+            <a:r>
+              <a:rPr lang="en-US" sz="2400" dirty="0"/>
+              <a:t>A little like building a custom house</a:t>
+            </a:r>
+          </a:p>
+          <a:p>
+            <a:endParaRPr lang="en-US" sz="2400" dirty="0"/>
+          </a:p>
+          <a:p>
+            <a:pPr marL="285750" indent="-285750">
+              <a:buFontTx/>
+              <a:buChar char="-"/>
+            </a:pPr>
+            <a:r>
+              <a:rPr lang="en-US" sz="2400" dirty="0"/>
+              <a:t>What do the ‘buyers’ really want?</a:t>
+            </a:r>
+          </a:p>
+          <a:p>
+            <a:pPr marL="285750" indent="-285750">
+              <a:buFontTx/>
+              <a:buChar char="-"/>
+            </a:pPr>
+            <a:r>
+              <a:rPr lang="en-US" sz="2400" dirty="0"/>
+              <a:t>What will they consume?</a:t>
+            </a:r>
+          </a:p>
+          <a:p>
+            <a:pPr marL="285750" indent="-285750">
+              <a:buFontTx/>
+              <a:buChar char="-"/>
+            </a:pPr>
+            <a:r>
+              <a:rPr lang="en-US" sz="2400" dirty="0"/>
+              <a:t>What do they need?</a:t>
+            </a:r>
+          </a:p>
+          <a:p>
+            <a:pPr marL="285750" indent="-285750">
+              <a:buFontTx/>
+              <a:buChar char="-"/>
+            </a:pPr>
+            <a:endParaRPr lang="en-US" sz="2400" dirty="0"/>
+          </a:p>
+        </p:txBody>
+      </p:sp>
       <p:pic>
         <p:nvPicPr>
           <p:cNvPr id="7" name="Picture 6"/>
@@ -7705,15 +7816,15 @@
           <p:nvPr/>
         </p:nvPicPr>
         <p:blipFill>
-          <a:blip r:embed="rId8"/>
+          <a:blip r:embed="rId3"/>
           <a:stretch>
             <a:fillRect/>
           </a:stretch>
         </p:blipFill>
         <p:spPr>
           <a:xfrm>
-            <a:off x="6567011" y="5515055"/>
-            <a:ext cx="1889899" cy="1265876"/>
+            <a:off x="3752849" y="2846456"/>
+            <a:ext cx="3143250" cy="447675"/>
           </a:xfrm>
           <a:prstGeom prst="rect">
             <a:avLst/>
@@ -7729,15 +7840,15 @@
           <p:nvPr/>
         </p:nvPicPr>
         <p:blipFill>
-          <a:blip r:embed="rId9"/>
+          <a:blip r:embed="rId4"/>
           <a:stretch>
             <a:fillRect/>
           </a:stretch>
         </p:blipFill>
         <p:spPr>
           <a:xfrm>
-            <a:off x="9057693" y="5319699"/>
-            <a:ext cx="2509024" cy="1230270"/>
+            <a:off x="6315075" y="3895725"/>
+            <a:ext cx="3762375" cy="1409700"/>
           </a:xfrm>
           <a:prstGeom prst="rect">
             <a:avLst/>
@@ -7753,39 +7864,15 @@
           <p:nvPr/>
         </p:nvPicPr>
         <p:blipFill>
-          <a:blip r:embed="rId10"/>
+          <a:blip r:embed="rId5"/>
           <a:stretch>
             <a:fillRect/>
           </a:stretch>
         </p:blipFill>
         <p:spPr>
           <a:xfrm>
-            <a:off x="10418838" y="2533323"/>
-            <a:ext cx="1147879" cy="1070783"/>
-          </a:xfrm>
-          <a:prstGeom prst="rect">
-            <a:avLst/>
-          </a:prstGeom>
-        </p:spPr>
-      </p:pic>
-      <p:pic>
-        <p:nvPicPr>
-          <p:cNvPr id="10" name="Picture 9"/>
-          <p:cNvPicPr>
-            <a:picLocks noChangeAspect="1"/>
-          </p:cNvPicPr>
-          <p:nvPr/>
-        </p:nvPicPr>
-        <p:blipFill>
-          <a:blip r:embed="rId11"/>
-          <a:stretch>
-            <a:fillRect/>
-          </a:stretch>
-        </p:blipFill>
-        <p:spPr>
-          <a:xfrm>
-            <a:off x="3425504" y="5783536"/>
-            <a:ext cx="2728912" cy="743716"/>
+            <a:off x="1938337" y="4395787"/>
+            <a:ext cx="3629025" cy="1152525"/>
           </a:xfrm>
           <a:prstGeom prst="rect">
             <a:avLst/>
@@ -7795,7 +7882,7 @@
     </p:spTree>
     <p:extLst>
       <p:ext uri="{BB962C8B-B14F-4D97-AF65-F5344CB8AC3E}">
-        <p14:creationId xmlns:p14="http://schemas.microsoft.com/office/powerpoint/2010/main" val="849099871"/>
+        <p14:creationId xmlns:p14="http://schemas.microsoft.com/office/powerpoint/2010/main" val="1013128779"/>
       </p:ext>
     </p:extLst>
   </p:cSld>
@@ -7824,7 +7911,7 @@
       </p:grpSpPr>
       <p:pic>
         <p:nvPicPr>
-          <p:cNvPr id="5" name="Picture 4"/>
+          <p:cNvPr id="4" name="Picture 3"/>
           <p:cNvPicPr>
             <a:picLocks noChangeAspect="1"/>
           </p:cNvPicPr>
@@ -7838,8 +7925,8 @@
         </p:blipFill>
         <p:spPr>
           <a:xfrm>
-            <a:off x="533400" y="585786"/>
-            <a:ext cx="2809875" cy="2228850"/>
+            <a:off x="776182" y="1272711"/>
+            <a:ext cx="4975645" cy="2894111"/>
           </a:xfrm>
           <a:prstGeom prst="rect">
             <a:avLst/>
@@ -7848,14 +7935,14 @@
       </p:pic>
       <p:sp>
         <p:nvSpPr>
-          <p:cNvPr id="6" name="TextBox 5"/>
+          <p:cNvPr id="5" name="TextBox 4"/>
           <p:cNvSpPr txBox="1"/>
           <p:nvPr/>
         </p:nvSpPr>
         <p:spPr>
           <a:xfrm>
             <a:off x="4994247" y="382471"/>
-            <a:ext cx="4686026" cy="2308324"/>
+            <a:ext cx="6162649" cy="830997"/>
           </a:xfrm>
           <a:prstGeom prst="rect">
             <a:avLst/>
@@ -7872,40 +7959,7 @@
           <a:p>
             <a:r>
               <a:rPr lang="en-US" sz="2400" dirty="0"/>
-              <a:t>A little like building a custom house</a:t>
-            </a:r>
-          </a:p>
-          <a:p>
-            <a:endParaRPr lang="en-US" sz="2400" dirty="0"/>
-          </a:p>
-          <a:p>
-            <a:pPr marL="285750" indent="-285750">
-              <a:buFontTx/>
-              <a:buChar char="-"/>
-            </a:pPr>
-            <a:r>
-              <a:rPr lang="en-US" sz="2400" dirty="0"/>
-              <a:t>What do the ‘buyers’ really want?</a:t>
-            </a:r>
-          </a:p>
-          <a:p>
-            <a:pPr marL="285750" indent="-285750">
-              <a:buFontTx/>
-              <a:buChar char="-"/>
-            </a:pPr>
-            <a:r>
-              <a:rPr lang="en-US" sz="2400" dirty="0"/>
-              <a:t>What will they consume?</a:t>
-            </a:r>
-          </a:p>
-          <a:p>
-            <a:pPr marL="285750" indent="-285750">
-              <a:buFontTx/>
-              <a:buChar char="-"/>
-            </a:pPr>
-            <a:r>
-              <a:rPr lang="en-US" sz="2400" dirty="0"/>
-              <a:t>What do they need?</a:t>
+              <a:t>Often show them ‘plans’ or models or mock ups</a:t>
             </a:r>
           </a:p>
           <a:p>
@@ -7919,7 +7973,7 @@
       </p:sp>
       <p:pic>
         <p:nvPicPr>
-          <p:cNvPr id="7" name="Picture 6"/>
+          <p:cNvPr id="6" name="Picture 5"/>
           <p:cNvPicPr>
             <a:picLocks noChangeAspect="1"/>
           </p:cNvPicPr>
@@ -7933,56 +7987,8 @@
         </p:blipFill>
         <p:spPr>
           <a:xfrm>
-            <a:off x="3752849" y="2846456"/>
-            <a:ext cx="3143250" cy="447675"/>
-          </a:xfrm>
-          <a:prstGeom prst="rect">
-            <a:avLst/>
-          </a:prstGeom>
-        </p:spPr>
-      </p:pic>
-      <p:pic>
-        <p:nvPicPr>
-          <p:cNvPr id="8" name="Picture 7"/>
-          <p:cNvPicPr>
-            <a:picLocks noChangeAspect="1"/>
-          </p:cNvPicPr>
-          <p:nvPr/>
-        </p:nvPicPr>
-        <p:blipFill>
-          <a:blip r:embed="rId4"/>
-          <a:stretch>
-            <a:fillRect/>
-          </a:stretch>
-        </p:blipFill>
-        <p:spPr>
-          <a:xfrm>
-            <a:off x="6315075" y="3895725"/>
-            <a:ext cx="3762375" cy="1409700"/>
-          </a:xfrm>
-          <a:prstGeom prst="rect">
-            <a:avLst/>
-          </a:prstGeom>
-        </p:spPr>
-      </p:pic>
-      <p:pic>
-        <p:nvPicPr>
-          <p:cNvPr id="9" name="Picture 8"/>
-          <p:cNvPicPr>
-            <a:picLocks noChangeAspect="1"/>
-          </p:cNvPicPr>
-          <p:nvPr/>
-        </p:nvPicPr>
-        <p:blipFill>
-          <a:blip r:embed="rId5"/>
-          <a:stretch>
-            <a:fillRect/>
-          </a:stretch>
-        </p:blipFill>
-        <p:spPr>
-          <a:xfrm>
-            <a:off x="1938337" y="4395787"/>
-            <a:ext cx="3629025" cy="1152525"/>
+            <a:off x="6584520" y="2832588"/>
+            <a:ext cx="4044853" cy="3116035"/>
           </a:xfrm>
           <a:prstGeom prst="rect">
             <a:avLst/>
@@ -7992,7 +7998,7 @@
     </p:spTree>
     <p:extLst>
       <p:ext uri="{BB962C8B-B14F-4D97-AF65-F5344CB8AC3E}">
-        <p14:creationId xmlns:p14="http://schemas.microsoft.com/office/powerpoint/2010/main" val="1013128779"/>
+        <p14:creationId xmlns:p14="http://schemas.microsoft.com/office/powerpoint/2010/main" val="3617753282"/>
       </p:ext>
     </p:extLst>
   </p:cSld>
